--- a/proyecto/informe/entrega3/Presentación Datos y Algoritmos I - Proyecto avance.pptx
+++ b/proyecto/informe/entrega3/Presentación Datos y Algoritmos I - Proyecto avance.pptx
@@ -8487,7 +8487,7 @@
             </a:pPr>
             <a:r>
               <a:rPr lang="en-US" sz="2000" dirty="0"/>
-              <a:t>CART is the latest, most used decision tree algorithms with C5.       </a:t>
+              <a:t>CART is the latest, most used decision tree algorithm with C5.       </a:t>
             </a:r>
           </a:p>
           <a:p>
@@ -12832,7 +12832,7 @@
           <a:graphicData uri="http://schemas.openxmlformats.org/presentationml/2006/ole">
             <mc:AlternateContent xmlns:mc="http://schemas.openxmlformats.org/markup-compatibility/2006">
               <mc:Choice xmlns:v="urn:schemas-microsoft-com:vml" Requires="v">
-                <p:oleObj spid="_x0000_s2079" name="Document" r:id="rId3" imgW="5611327" imgH="2547091" progId="Word.Document.12">
+                <p:oleObj spid="_x0000_s2083" name="Document" r:id="rId3" imgW="5611327" imgH="2547091" progId="Word.Document.12">
                   <p:embed/>
                 </p:oleObj>
               </mc:Choice>
@@ -12895,7 +12895,7 @@
           <a:graphicData uri="http://schemas.openxmlformats.org/presentationml/2006/ole">
             <mc:AlternateContent xmlns:mc="http://schemas.openxmlformats.org/markup-compatibility/2006">
               <mc:Choice xmlns:v="urn:schemas-microsoft-com:vml" Requires="v">
-                <p:oleObj spid="_x0000_s2080" name="Document" r:id="rId5" imgW="5611327" imgH="2806661" progId="Word.Document.12">
+                <p:oleObj spid="_x0000_s2084" name="Document" r:id="rId5" imgW="5611327" imgH="2806661" progId="Word.Document.12">
                   <p:embed/>
                 </p:oleObj>
               </mc:Choice>
